--- a/slides/COMSYL.pptx
+++ b/slides/COMSYL.pptx
@@ -298,7 +298,7 @@
           <a:p>
             <a:fld id="{218E076B-85E9-2F47-8289-9E3B655332F0}" type="datetimeFigureOut">
               <a:rPr lang="en-US" smtClean="0"/>
-              <a:t>07/05/19</a:t>
+              <a:t>14/05/19</a:t>
             </a:fld>
             <a:endParaRPr lang="en-US"/>
           </a:p>
@@ -468,7 +468,7 @@
           <a:p>
             <a:fld id="{218E076B-85E9-2F47-8289-9E3B655332F0}" type="datetimeFigureOut">
               <a:rPr lang="en-US" smtClean="0"/>
-              <a:t>07/05/19</a:t>
+              <a:t>14/05/19</a:t>
             </a:fld>
             <a:endParaRPr lang="en-US"/>
           </a:p>
@@ -648,7 +648,7 @@
           <a:p>
             <a:fld id="{218E076B-85E9-2F47-8289-9E3B655332F0}" type="datetimeFigureOut">
               <a:rPr lang="en-US" smtClean="0"/>
-              <a:t>07/05/19</a:t>
+              <a:t>14/05/19</a:t>
             </a:fld>
             <a:endParaRPr lang="en-US"/>
           </a:p>
@@ -818,7 +818,7 @@
           <a:p>
             <a:fld id="{218E076B-85E9-2F47-8289-9E3B655332F0}" type="datetimeFigureOut">
               <a:rPr lang="en-US" smtClean="0"/>
-              <a:t>07/05/19</a:t>
+              <a:t>14/05/19</a:t>
             </a:fld>
             <a:endParaRPr lang="en-US"/>
           </a:p>
@@ -1064,7 +1064,7 @@
           <a:p>
             <a:fld id="{218E076B-85E9-2F47-8289-9E3B655332F0}" type="datetimeFigureOut">
               <a:rPr lang="en-US" smtClean="0"/>
-              <a:t>07/05/19</a:t>
+              <a:t>14/05/19</a:t>
             </a:fld>
             <a:endParaRPr lang="en-US"/>
           </a:p>
@@ -1352,7 +1352,7 @@
           <a:p>
             <a:fld id="{218E076B-85E9-2F47-8289-9E3B655332F0}" type="datetimeFigureOut">
               <a:rPr lang="en-US" smtClean="0"/>
-              <a:t>07/05/19</a:t>
+              <a:t>14/05/19</a:t>
             </a:fld>
             <a:endParaRPr lang="en-US"/>
           </a:p>
@@ -1774,7 +1774,7 @@
           <a:p>
             <a:fld id="{218E076B-85E9-2F47-8289-9E3B655332F0}" type="datetimeFigureOut">
               <a:rPr lang="en-US" smtClean="0"/>
-              <a:t>07/05/19</a:t>
+              <a:t>14/05/19</a:t>
             </a:fld>
             <a:endParaRPr lang="en-US"/>
           </a:p>
@@ -1892,7 +1892,7 @@
           <a:p>
             <a:fld id="{218E076B-85E9-2F47-8289-9E3B655332F0}" type="datetimeFigureOut">
               <a:rPr lang="en-US" smtClean="0"/>
-              <a:t>07/05/19</a:t>
+              <a:t>14/05/19</a:t>
             </a:fld>
             <a:endParaRPr lang="en-US"/>
           </a:p>
@@ -1987,7 +1987,7 @@
           <a:p>
             <a:fld id="{218E076B-85E9-2F47-8289-9E3B655332F0}" type="datetimeFigureOut">
               <a:rPr lang="en-US" smtClean="0"/>
-              <a:t>07/05/19</a:t>
+              <a:t>14/05/19</a:t>
             </a:fld>
             <a:endParaRPr lang="en-US"/>
           </a:p>
@@ -2264,7 +2264,7 @@
           <a:p>
             <a:fld id="{218E076B-85E9-2F47-8289-9E3B655332F0}" type="datetimeFigureOut">
               <a:rPr lang="en-US" smtClean="0"/>
-              <a:t>07/05/19</a:t>
+              <a:t>14/05/19</a:t>
             </a:fld>
             <a:endParaRPr lang="en-US"/>
           </a:p>
@@ -2517,7 +2517,7 @@
           <a:p>
             <a:fld id="{218E076B-85E9-2F47-8289-9E3B655332F0}" type="datetimeFigureOut">
               <a:rPr lang="en-US" smtClean="0"/>
-              <a:t>07/05/19</a:t>
+              <a:t>14/05/19</a:t>
             </a:fld>
             <a:endParaRPr lang="en-US"/>
           </a:p>
@@ -2730,7 +2730,7 @@
           <a:p>
             <a:fld id="{218E076B-85E9-2F47-8289-9E3B655332F0}" type="datetimeFigureOut">
               <a:rPr lang="en-US" smtClean="0"/>
-              <a:t>07/05/19</a:t>
+              <a:t>14/05/19</a:t>
             </a:fld>
             <a:endParaRPr lang="en-US"/>
           </a:p>
@@ -11726,7 +11726,7 @@
             <a:graphicData uri="http://schemas.openxmlformats.org/presentationml/2006/ole">
               <mc:AlternateContent xmlns:mc="http://schemas.openxmlformats.org/markup-compatibility/2006">
                 <mc:Choice xmlns:v="urn:schemas-microsoft-com:vml" Requires="v">
-                  <p:oleObj spid="_x0000_s2063" name="Equation" r:id="rId7" imgW="825500" imgH="482600" progId="Equation.DSMT4">
+                  <p:oleObj spid="_x0000_s2065" name="Equation" r:id="rId7" imgW="825500" imgH="482600" progId="Equation.DSMT4">
                     <p:embed/>
                   </p:oleObj>
                 </mc:Choice>
@@ -16624,7 +16624,9 @@
         </p:nvSpPr>
         <p:spPr/>
         <p:txBody>
-          <a:bodyPr/>
+          <a:bodyPr>
+            <a:normAutofit fontScale="90000"/>
+          </a:bodyPr>
           <a:lstStyle/>
           <a:p>
             <a:r>
@@ -16633,7 +16635,18 @@
             </a:r>
             <a:r>
               <a:rPr lang="en-US" dirty="0" err="1" smtClean="0"/>
-              <a:t>Comsyl</a:t>
+              <a:t>Comsyl-Oasys</a:t>
+            </a:r>
+            <a:r>
+              <a:rPr lang="en-US" dirty="0" smtClean="0"/>
+              <a:t> </a:t>
+            </a:r>
+            <a:br>
+              <a:rPr lang="en-US" dirty="0" smtClean="0"/>
+            </a:br>
+            <a:r>
+              <a:rPr lang="en-US" dirty="0" smtClean="0"/>
+              <a:t>(not for COMSYL calculations, only for displaying and propagating results)</a:t>
             </a:r>
             <a:endParaRPr lang="en-GB" dirty="0"/>
           </a:p>
@@ -16649,91 +16662,46 @@
             <p:ph idx="1"/>
           </p:nvPr>
         </p:nvSpPr>
-        <p:spPr/>
+        <p:spPr>
+          <a:xfrm>
+            <a:off x="457200" y="2060773"/>
+            <a:ext cx="8229600" cy="4525963"/>
+          </a:xfrm>
+        </p:spPr>
         <p:txBody>
           <a:bodyPr>
-            <a:normAutofit fontScale="92500" lnSpcReduction="10000"/>
+            <a:normAutofit/>
           </a:bodyPr>
           <a:lstStyle/>
           <a:p>
             <a:r>
-              <a:rPr lang="en-US" dirty="0" err="1"/>
-              <a:t>g</a:t>
+              <a:rPr lang="en-US" dirty="0" smtClean="0"/>
+              <a:t>pip </a:t>
+            </a:r>
+            <a:r>
+              <a:rPr lang="en-US" dirty="0" smtClean="0"/>
+              <a:t>install </a:t>
             </a:r>
             <a:r>
               <a:rPr lang="en-US" dirty="0" err="1" smtClean="0"/>
-              <a:t>it</a:t>
+              <a:t>oasys-comsyl</a:t>
             </a:r>
-            <a:r>
-              <a:rPr lang="en-US" dirty="0" smtClean="0"/>
-              <a:t> clone </a:t>
-            </a:r>
-            <a:r>
-              <a:rPr lang="en-US" dirty="0" smtClean="0">
-                <a:hlinkClick r:id="rId2"/>
-              </a:rPr>
-              <a:t>https://github.com/mark-glass/comsyl</a:t>
-            </a:r>
-            <a:r>
-              <a:rPr lang="en-US" dirty="0" smtClean="0"/>
-              <a:t> </a:t>
-            </a:r>
+            <a:endParaRPr lang="en-US" dirty="0"/>
           </a:p>
           <a:p>
             <a:r>
               <a:rPr lang="en-US" dirty="0" smtClean="0"/>
-              <a:t>cd </a:t>
+              <a:t>Start OASYS</a:t>
             </a:r>
-            <a:r>
-              <a:rPr lang="en-US" dirty="0" err="1" smtClean="0"/>
-              <a:t>comsyl</a:t>
-            </a:r>
-            <a:endParaRPr lang="en-US" dirty="0" smtClean="0"/>
+          </a:p>
+          <a:p>
+            <a:endParaRPr lang="en-US" dirty="0"/>
           </a:p>
           <a:p>
             <a:r>
               <a:rPr lang="en-US" dirty="0" smtClean="0"/>
-              <a:t>python –m pip install –e . --no-deps –no-binary :all:</a:t>
+              <a:t>For coherent mode decomposition using COMSYL follow installation instructions in previous slide </a:t>
             </a:r>
-          </a:p>
-          <a:p>
-            <a:r>
-              <a:rPr lang="en-US" dirty="0" err="1" smtClean="0"/>
-              <a:t>git</a:t>
-            </a:r>
-            <a:r>
-              <a:rPr lang="en-US" dirty="0" smtClean="0"/>
-              <a:t> clone </a:t>
-            </a:r>
-            <a:r>
-              <a:rPr lang="en-US" dirty="0" smtClean="0">
-                <a:hlinkClick r:id="rId3"/>
-              </a:rPr>
-              <a:t>https://github.com/oasys1-kit/oasys-comsyl</a:t>
-            </a:r>
-            <a:r>
-              <a:rPr lang="en-US" dirty="0" smtClean="0"/>
-              <a:t> </a:t>
-            </a:r>
-          </a:p>
-          <a:p>
-            <a:r>
-              <a:rPr lang="en-US" dirty="0" smtClean="0"/>
-              <a:t>cd </a:t>
-            </a:r>
-            <a:r>
-              <a:rPr lang="en-US" smtClean="0"/>
-              <a:t>oasys-comsyl</a:t>
-            </a:r>
-            <a:endParaRPr lang="en-US" dirty="0" smtClean="0"/>
-          </a:p>
-          <a:p>
-            <a:r>
-              <a:rPr lang="en-US" dirty="0" smtClean="0"/>
-              <a:t>python –m pip install –e . --no-deps –no-binary :all:</a:t>
-            </a:r>
-          </a:p>
-          <a:p>
             <a:endParaRPr lang="en-US" dirty="0" smtClean="0"/>
           </a:p>
           <a:p>

--- a/slides/COMSYL.pptx
+++ b/slides/COMSYL.pptx
@@ -298,7 +298,7 @@
           <a:p>
             <a:fld id="{218E076B-85E9-2F47-8289-9E3B655332F0}" type="datetimeFigureOut">
               <a:rPr lang="en-US" smtClean="0"/>
-              <a:t>14/05/19</a:t>
+              <a:t>15/05/19</a:t>
             </a:fld>
             <a:endParaRPr lang="en-US"/>
           </a:p>
@@ -468,7 +468,7 @@
           <a:p>
             <a:fld id="{218E076B-85E9-2F47-8289-9E3B655332F0}" type="datetimeFigureOut">
               <a:rPr lang="en-US" smtClean="0"/>
-              <a:t>14/05/19</a:t>
+              <a:t>15/05/19</a:t>
             </a:fld>
             <a:endParaRPr lang="en-US"/>
           </a:p>
@@ -648,7 +648,7 @@
           <a:p>
             <a:fld id="{218E076B-85E9-2F47-8289-9E3B655332F0}" type="datetimeFigureOut">
               <a:rPr lang="en-US" smtClean="0"/>
-              <a:t>14/05/19</a:t>
+              <a:t>15/05/19</a:t>
             </a:fld>
             <a:endParaRPr lang="en-US"/>
           </a:p>
@@ -818,7 +818,7 @@
           <a:p>
             <a:fld id="{218E076B-85E9-2F47-8289-9E3B655332F0}" type="datetimeFigureOut">
               <a:rPr lang="en-US" smtClean="0"/>
-              <a:t>14/05/19</a:t>
+              <a:t>15/05/19</a:t>
             </a:fld>
             <a:endParaRPr lang="en-US"/>
           </a:p>
@@ -1064,7 +1064,7 @@
           <a:p>
             <a:fld id="{218E076B-85E9-2F47-8289-9E3B655332F0}" type="datetimeFigureOut">
               <a:rPr lang="en-US" smtClean="0"/>
-              <a:t>14/05/19</a:t>
+              <a:t>15/05/19</a:t>
             </a:fld>
             <a:endParaRPr lang="en-US"/>
           </a:p>
@@ -1352,7 +1352,7 @@
           <a:p>
             <a:fld id="{218E076B-85E9-2F47-8289-9E3B655332F0}" type="datetimeFigureOut">
               <a:rPr lang="en-US" smtClean="0"/>
-              <a:t>14/05/19</a:t>
+              <a:t>15/05/19</a:t>
             </a:fld>
             <a:endParaRPr lang="en-US"/>
           </a:p>
@@ -1774,7 +1774,7 @@
           <a:p>
             <a:fld id="{218E076B-85E9-2F47-8289-9E3B655332F0}" type="datetimeFigureOut">
               <a:rPr lang="en-US" smtClean="0"/>
-              <a:t>14/05/19</a:t>
+              <a:t>15/05/19</a:t>
             </a:fld>
             <a:endParaRPr lang="en-US"/>
           </a:p>
@@ -1892,7 +1892,7 @@
           <a:p>
             <a:fld id="{218E076B-85E9-2F47-8289-9E3B655332F0}" type="datetimeFigureOut">
               <a:rPr lang="en-US" smtClean="0"/>
-              <a:t>14/05/19</a:t>
+              <a:t>15/05/19</a:t>
             </a:fld>
             <a:endParaRPr lang="en-US"/>
           </a:p>
@@ -1987,7 +1987,7 @@
           <a:p>
             <a:fld id="{218E076B-85E9-2F47-8289-9E3B655332F0}" type="datetimeFigureOut">
               <a:rPr lang="en-US" smtClean="0"/>
-              <a:t>14/05/19</a:t>
+              <a:t>15/05/19</a:t>
             </a:fld>
             <a:endParaRPr lang="en-US"/>
           </a:p>
@@ -2264,7 +2264,7 @@
           <a:p>
             <a:fld id="{218E076B-85E9-2F47-8289-9E3B655332F0}" type="datetimeFigureOut">
               <a:rPr lang="en-US" smtClean="0"/>
-              <a:t>14/05/19</a:t>
+              <a:t>15/05/19</a:t>
             </a:fld>
             <a:endParaRPr lang="en-US"/>
           </a:p>
@@ -2517,7 +2517,7 @@
           <a:p>
             <a:fld id="{218E076B-85E9-2F47-8289-9E3B655332F0}" type="datetimeFigureOut">
               <a:rPr lang="en-US" smtClean="0"/>
-              <a:t>14/05/19</a:t>
+              <a:t>15/05/19</a:t>
             </a:fld>
             <a:endParaRPr lang="en-US"/>
           </a:p>
@@ -2730,7 +2730,7 @@
           <a:p>
             <a:fld id="{218E076B-85E9-2F47-8289-9E3B655332F0}" type="datetimeFigureOut">
               <a:rPr lang="en-US" smtClean="0"/>
-              <a:t>14/05/19</a:t>
+              <a:t>15/05/19</a:t>
             </a:fld>
             <a:endParaRPr lang="en-US"/>
           </a:p>
@@ -11726,7 +11726,7 @@
             <a:graphicData uri="http://schemas.openxmlformats.org/presentationml/2006/ole">
               <mc:AlternateContent xmlns:mc="http://schemas.openxmlformats.org/markup-compatibility/2006">
                 <mc:Choice xmlns:v="urn:schemas-microsoft-com:vml" Requires="v">
-                  <p:oleObj spid="_x0000_s2065" name="Equation" r:id="rId7" imgW="825500" imgH="482600" progId="Equation.DSMT4">
+                  <p:oleObj spid="_x0000_s2067" name="Equation" r:id="rId7" imgW="825500" imgH="482600" progId="Equation.DSMT4">
                     <p:embed/>
                   </p:oleObj>
                 </mc:Choice>
@@ -16676,11 +16676,7 @@
           <a:p>
             <a:r>
               <a:rPr lang="en-US" dirty="0" smtClean="0"/>
-              <a:t>pip </a:t>
-            </a:r>
-            <a:r>
-              <a:rPr lang="en-US" dirty="0" smtClean="0"/>
-              <a:t>install </a:t>
+              <a:t>pip install </a:t>
             </a:r>
             <a:r>
               <a:rPr lang="en-US" dirty="0" err="1" smtClean="0"/>
@@ -16691,8 +16687,47 @@
           <a:p>
             <a:r>
               <a:rPr lang="en-US" dirty="0" smtClean="0"/>
-              <a:t>Start OASYS</a:t>
+              <a:t>Start </a:t>
             </a:r>
+            <a:r>
+              <a:rPr lang="en-US" dirty="0" smtClean="0"/>
+              <a:t>OASYS</a:t>
+            </a:r>
+          </a:p>
+          <a:p>
+            <a:r>
+              <a:rPr lang="en-US" dirty="0" smtClean="0"/>
+              <a:t>Download files (BIG!!</a:t>
+            </a:r>
+            <a:r>
+              <a:rPr lang="en-US" dirty="0"/>
+              <a:t>) from: http://</a:t>
+            </a:r>
+            <a:r>
+              <a:rPr lang="en-US" dirty="0" err="1"/>
+              <a:t>ftp.esrf.eu</a:t>
+            </a:r>
+            <a:r>
+              <a:rPr lang="en-US" dirty="0"/>
+              <a:t>/pub/</a:t>
+            </a:r>
+            <a:r>
+              <a:rPr lang="en-US" dirty="0" err="1"/>
+              <a:t>scisoft</a:t>
+            </a:r>
+            <a:r>
+              <a:rPr lang="en-US" dirty="0"/>
+              <a:t>/</a:t>
+            </a:r>
+            <a:r>
+              <a:rPr lang="en-US" dirty="0" err="1"/>
+              <a:t>comsyl</a:t>
+            </a:r>
+            <a:r>
+              <a:rPr lang="en-US" dirty="0"/>
+              <a:t>/</a:t>
+            </a:r>
+            <a:endParaRPr lang="en-US" dirty="0" smtClean="0"/>
           </a:p>
           <a:p>
             <a:endParaRPr lang="en-US" dirty="0"/>
@@ -16702,7 +16737,6 @@
               <a:rPr lang="en-US" dirty="0" smtClean="0"/>
               <a:t>For coherent mode decomposition using COMSYL follow installation instructions in previous slide </a:t>
             </a:r>
-            <a:endParaRPr lang="en-US" dirty="0" smtClean="0"/>
           </a:p>
           <a:p>
             <a:endParaRPr lang="en-GB" dirty="0"/>
